--- a/WebContent/HANA/PPT/0529 유재인.pptx
+++ b/WebContent/HANA/PPT/0529 유재인.pptx
@@ -21,35 +21,35 @@
   <p:notesSz cx="6858000" cy="9144000"/>
   <p:embeddedFontLst>
     <p:embeddedFont>
-      <p:font typeface="나눔스퀘어_ac" panose="020B0600000101010101" pitchFamily="50" charset="-127"/>
+      <p:font typeface="Calibri" panose="020F0502020204030204" pitchFamily="34" charset="0"/>
       <p:regular r:id="rId11"/>
+      <p:bold r:id="rId12"/>
+      <p:italic r:id="rId13"/>
+      <p:boldItalic r:id="rId14"/>
     </p:embeddedFont>
     <p:embeddedFont>
       <p:font typeface="Calibri Light" panose="020F0302020204030204" pitchFamily="34" charset="0"/>
-      <p:regular r:id="rId12"/>
-      <p:italic r:id="rId13"/>
+      <p:regular r:id="rId15"/>
+      <p:italic r:id="rId16"/>
+    </p:embeddedFont>
+    <p:embeddedFont>
+      <p:font typeface="맑은 고딕" panose="020B0503020000020004" pitchFamily="50" charset="-127"/>
+      <p:regular r:id="rId17"/>
+      <p:bold r:id="rId18"/>
+    </p:embeddedFont>
+    <p:embeddedFont>
+      <p:font typeface="타이포_스톰 B" panose="02020503020101020101" pitchFamily="18" charset="-127"/>
+      <p:regular r:id="rId19"/>
     </p:embeddedFont>
     <p:embeddedFont>
       <p:font typeface="Consolas" panose="020B0609020204030204" pitchFamily="49" charset="0"/>
-      <p:regular r:id="rId14"/>
-      <p:bold r:id="rId15"/>
-      <p:italic r:id="rId16"/>
-      <p:boldItalic r:id="rId17"/>
+      <p:regular r:id="rId20"/>
+      <p:bold r:id="rId21"/>
+      <p:italic r:id="rId22"/>
+      <p:boldItalic r:id="rId23"/>
     </p:embeddedFont>
     <p:embeddedFont>
-      <p:font typeface="Calibri" panose="020F0502020204030204" pitchFamily="34" charset="0"/>
-      <p:regular r:id="rId18"/>
-      <p:bold r:id="rId19"/>
-      <p:italic r:id="rId20"/>
-      <p:boldItalic r:id="rId21"/>
-    </p:embeddedFont>
-    <p:embeddedFont>
-      <p:font typeface="맑은 고딕" panose="020B0503020000020004" pitchFamily="50" charset="-127"/>
-      <p:regular r:id="rId22"/>
-      <p:bold r:id="rId23"/>
-    </p:embeddedFont>
-    <p:embeddedFont>
-      <p:font typeface="타이포_스톰 B" panose="02020503020101020101" pitchFamily="18" charset="-127"/>
+      <p:font typeface="나눔스퀘어_ac" panose="020B0600000101010101" pitchFamily="50" charset="-127"/>
       <p:regular r:id="rId24"/>
     </p:embeddedFont>
   </p:embeddedFontLst>
@@ -150,7 +150,7 @@
   </p:defaultTextStyle>
   <p:extLst>
     <p:ext uri="{EFAFB233-063F-42B5-8137-9DF3F51BA10A}">
-      <p15:sldGuideLst xmlns="" xmlns:p15="http://schemas.microsoft.com/office/powerpoint/2012/main">
+      <p15:sldGuideLst xmlns:p15="http://schemas.microsoft.com/office/powerpoint/2012/main" xmlns="">
         <p15:guide id="1" orient="horz" pos="2160" userDrawn="1">
           <p15:clr>
             <a:srgbClr val="A4A3A4"/>
@@ -4732,6 +4732,109 @@
           </a:p>
         </p:txBody>
       </p:sp>
+      <p:pic>
+        <p:nvPicPr>
+          <p:cNvPr id="12" name="Picture 4"/>
+          <p:cNvPicPr>
+            <a:picLocks noChangeAspect="1" noChangeArrowheads="1"/>
+          </p:cNvPicPr>
+          <p:nvPr/>
+        </p:nvPicPr>
+        <p:blipFill>
+          <a:blip r:embed="rId3">
+            <a:extLst>
+              <a:ext uri="{28A0092B-C50C-407E-A947-70E740481C1C}">
+                <a14:useLocalDpi xmlns:a14="http://schemas.microsoft.com/office/drawing/2010/main" val="0"/>
+              </a:ext>
+            </a:extLst>
+          </a:blip>
+          <a:srcRect/>
+          <a:stretch>
+            <a:fillRect/>
+          </a:stretch>
+        </p:blipFill>
+        <p:spPr bwMode="auto">
+          <a:xfrm>
+            <a:off x="1009176" y="4498449"/>
+            <a:ext cx="4267200" cy="1114425"/>
+          </a:xfrm>
+          <a:prstGeom prst="rect">
+            <a:avLst/>
+          </a:prstGeom>
+          <a:noFill/>
+          <a:ln w="19050">
+            <a:solidFill>
+              <a:srgbClr val="FF0000"/>
+            </a:solidFill>
+            <a:miter lim="800000"/>
+            <a:headEnd/>
+            <a:tailEnd/>
+          </a:ln>
+          <a:extLst>
+            <a:ext uri="{909E8E84-426E-40DD-AFC4-6F175D3DCCD1}">
+              <a14:hiddenFill xmlns:a14="http://schemas.microsoft.com/office/drawing/2010/main">
+                <a:solidFill>
+                  <a:schemeClr val="accent1"/>
+                </a:solidFill>
+              </a14:hiddenFill>
+            </a:ext>
+          </a:extLst>
+        </p:spPr>
+      </p:pic>
+      <p:pic>
+        <p:nvPicPr>
+          <p:cNvPr id="1026" name="Picture 2"/>
+          <p:cNvPicPr>
+            <a:picLocks noChangeAspect="1" noChangeArrowheads="1"/>
+          </p:cNvPicPr>
+          <p:nvPr/>
+        </p:nvPicPr>
+        <p:blipFill>
+          <a:blip r:embed="rId4">
+            <a:extLst>
+              <a:ext uri="{28A0092B-C50C-407E-A947-70E740481C1C}">
+                <a14:useLocalDpi xmlns:a14="http://schemas.microsoft.com/office/drawing/2010/main" val="0"/>
+              </a:ext>
+            </a:extLst>
+          </a:blip>
+          <a:srcRect/>
+          <a:stretch>
+            <a:fillRect/>
+          </a:stretch>
+        </p:blipFill>
+        <p:spPr bwMode="auto">
+          <a:xfrm>
+            <a:off x="5944861" y="4372416"/>
+            <a:ext cx="1454160" cy="1454160"/>
+          </a:xfrm>
+          <a:prstGeom prst="rect">
+            <a:avLst/>
+          </a:prstGeom>
+          <a:noFill/>
+          <a:ln>
+            <a:noFill/>
+          </a:ln>
+          <a:extLst>
+            <a:ext uri="{909E8E84-426E-40DD-AFC4-6F175D3DCCD1}">
+              <a14:hiddenFill xmlns:a14="http://schemas.microsoft.com/office/drawing/2010/main">
+                <a:solidFill>
+                  <a:schemeClr val="accent1"/>
+                </a:solidFill>
+              </a14:hiddenFill>
+            </a:ext>
+            <a:ext uri="{91240B29-F687-4F45-9708-019B960494DF}">
+              <a14:hiddenLine xmlns:a14="http://schemas.microsoft.com/office/drawing/2010/main" w="9525">
+                <a:solidFill>
+                  <a:schemeClr val="tx1"/>
+                </a:solidFill>
+                <a:miter lim="800000"/>
+                <a:headEnd/>
+                <a:tailEnd/>
+              </a14:hiddenLine>
+            </a:ext>
+          </a:extLst>
+        </p:spPr>
+      </p:pic>
     </p:spTree>
     <p:extLst>
       <p:ext uri="{BB962C8B-B14F-4D97-AF65-F5344CB8AC3E}">
@@ -8298,7 +8401,7 @@
   <a:extraClrSchemeLst/>
   <a:extLst>
     <a:ext uri="{05A4C25C-085E-4340-85A3-A5531E510DB2}">
-      <thm15:themeFamily xmlns="" xmlns:thm15="http://schemas.microsoft.com/office/thememl/2012/main" name="Office Theme" id="{62F939B6-93AF-4DB8-9C6B-D6C7DFDC589F}" vid="{4A3C46E8-61CC-4603-A589-7422A47A8E4A}"/>
+      <thm15:themeFamily xmlns:thm15="http://schemas.microsoft.com/office/thememl/2012/main" xmlns="" name="Office Theme" id="{62F939B6-93AF-4DB8-9C6B-D6C7DFDC589F}" vid="{4A3C46E8-61CC-4603-A589-7422A47A8E4A}"/>
     </a:ext>
   </a:extLst>
 </a:theme>
@@ -8559,7 +8662,7 @@
   <a:extraClrSchemeLst/>
   <a:extLst>
     <a:ext uri="{05A4C25C-085E-4340-85A3-A5531E510DB2}">
-      <thm15:themeFamily xmlns="" xmlns:thm15="http://schemas.microsoft.com/office/thememl/2012/main" name="Office Theme" id="{62F939B6-93AF-4DB8-9C6B-D6C7DFDC589F}" vid="{4A3C46E8-61CC-4603-A589-7422A47A8E4A}"/>
+      <thm15:themeFamily xmlns:thm15="http://schemas.microsoft.com/office/thememl/2012/main" xmlns="" name="Office Theme" id="{62F939B6-93AF-4DB8-9C6B-D6C7DFDC589F}" vid="{4A3C46E8-61CC-4603-A589-7422A47A8E4A}"/>
     </a:ext>
   </a:extLst>
 </a:theme>
@@ -8820,7 +8923,7 @@
   <a:extraClrSchemeLst/>
   <a:extLst>
     <a:ext uri="{05A4C25C-085E-4340-85A3-A5531E510DB2}">
-      <thm15:themeFamily xmlns="" xmlns:thm15="http://schemas.microsoft.com/office/thememl/2012/main" name="Office Theme" id="{62F939B6-93AF-4DB8-9C6B-D6C7DFDC589F}" vid="{4A3C46E8-61CC-4603-A589-7422A47A8E4A}"/>
+      <thm15:themeFamily xmlns:thm15="http://schemas.microsoft.com/office/thememl/2012/main" xmlns="" name="Office Theme" id="{62F939B6-93AF-4DB8-9C6B-D6C7DFDC589F}" vid="{4A3C46E8-61CC-4603-A589-7422A47A8E4A}"/>
     </a:ext>
   </a:extLst>
 </a:theme>
@@ -9081,7 +9184,7 @@
   <a:extraClrSchemeLst/>
   <a:extLst>
     <a:ext uri="{05A4C25C-085E-4340-85A3-A5531E510DB2}">
-      <thm15:themeFamily xmlns="" xmlns:thm15="http://schemas.microsoft.com/office/thememl/2012/main" name="Office Theme" id="{62F939B6-93AF-4DB8-9C6B-D6C7DFDC589F}" vid="{4A3C46E8-61CC-4603-A589-7422A47A8E4A}"/>
+      <thm15:themeFamily xmlns:thm15="http://schemas.microsoft.com/office/thememl/2012/main" xmlns="" name="Office Theme" id="{62F939B6-93AF-4DB8-9C6B-D6C7DFDC589F}" vid="{4A3C46E8-61CC-4603-A589-7422A47A8E4A}"/>
     </a:ext>
   </a:extLst>
 </a:theme>
